--- a/Presentación.pptx
+++ b/Presentación.pptx
@@ -3302,19 +3302,7 @@
               <a:rPr lang="es-ES_tradnl" dirty="0" smtClean="0">
                 <a:sym typeface="Wingdings"/>
               </a:rPr>
-              <a:t>Las tecnologías que han hecho posible el cumplimiento de </a:t>
-            </a:r>
-            <a:r>
-              <a:rPr lang="es-ES_tradnl" smtClean="0">
-                <a:sym typeface="Wingdings"/>
-              </a:rPr>
-              <a:t>requisitos acordes </a:t>
-            </a:r>
-            <a:r>
-              <a:rPr lang="es-ES_tradnl" dirty="0" smtClean="0">
-                <a:sym typeface="Wingdings"/>
-              </a:rPr>
-              <a:t>al cliente son las siguientes: </a:t>
+              <a:t>Las tecnologías que han hecho posible el cumplimiento de requisitos acordes al cliente son las siguientes: </a:t>
             </a:r>
           </a:p>
           <a:p>
@@ -3360,8 +3348,8 @@
         </p:nvSpPr>
         <p:spPr>
           <a:xfrm>
-            <a:off x="3127947" y="2337019"/>
-            <a:ext cx="5936105" cy="3477875"/>
+            <a:off x="838201" y="2194439"/>
+            <a:ext cx="2984292" cy="3477875"/>
           </a:xfrm>
           <a:prstGeom prst="rect">
             <a:avLst/>
@@ -3474,6 +3462,30 @@
           </a:p>
         </p:txBody>
       </p:sp>
+      <p:pic>
+        <p:nvPicPr>
+          <p:cNvPr id="7" name="Imagen 6"/>
+          <p:cNvPicPr>
+            <a:picLocks noChangeAspect="1"/>
+          </p:cNvPicPr>
+          <p:nvPr/>
+        </p:nvPicPr>
+        <p:blipFill>
+          <a:blip r:embed="rId4"/>
+          <a:stretch>
+            <a:fillRect/>
+          </a:stretch>
+        </p:blipFill>
+        <p:spPr>
+          <a:xfrm>
+            <a:off x="4373588" y="2380832"/>
+            <a:ext cx="5175146" cy="3105088"/>
+          </a:xfrm>
+          <a:prstGeom prst="rect">
+            <a:avLst/>
+          </a:prstGeom>
+        </p:spPr>
+      </p:pic>
     </p:spTree>
     <p:extLst>
       <p:ext uri="{BB962C8B-B14F-4D97-AF65-F5344CB8AC3E}">

--- a/Presentación.pptx
+++ b/Presentación.pptx
@@ -5,7 +5,7 @@
     <p:sldMasterId id="2147483648" r:id="rId1"/>
   </p:sldMasterIdLst>
   <p:notesMasterIdLst>
-    <p:notesMasterId r:id="rId11"/>
+    <p:notesMasterId r:id="rId13"/>
   </p:notesMasterIdLst>
   <p:sldIdLst>
     <p:sldId id="256" r:id="rId2"/>
@@ -17,6 +17,8 @@
     <p:sldId id="260" r:id="rId8"/>
     <p:sldId id="261" r:id="rId9"/>
     <p:sldId id="264" r:id="rId10"/>
+    <p:sldId id="265" r:id="rId11"/>
+    <p:sldId id="266" r:id="rId12"/>
   </p:sldIdLst>
   <p:sldSz cx="12192000" cy="6858000"/>
   <p:notesSz cx="6858000" cy="9144000"/>
@@ -1359,7 +1361,7 @@
       <p:bgPr>
         <a:blipFill dpi="0" rotWithShape="1">
           <a:blip r:embed="rId2">
-            <a:alphaModFix amt="11000"/>
+            <a:alphaModFix amt="7000"/>
             <a:lum/>
           </a:blip>
           <a:srcRect/>
@@ -1582,6 +1584,900 @@
 </p:sld>
 </file>
 
+<file path=ppt/slides/slide10.xml><?xml version="1.0" encoding="utf-8"?>
+<p:sld xmlns:a="http://schemas.openxmlformats.org/drawingml/2006/main" xmlns:r="http://schemas.openxmlformats.org/officeDocument/2006/relationships" xmlns:p="http://schemas.openxmlformats.org/presentationml/2006/main">
+  <p:cSld>
+    <p:bg>
+      <p:bgPr>
+        <a:blipFill dpi="0" rotWithShape="1">
+          <a:blip r:embed="rId2">
+            <a:alphaModFix amt="7000"/>
+            <a:lum/>
+          </a:blip>
+          <a:srcRect/>
+          <a:stretch>
+            <a:fillRect l="-1000" r="-1000"/>
+          </a:stretch>
+        </a:blipFill>
+        <a:effectLst/>
+      </p:bgPr>
+    </p:bg>
+    <p:spTree>
+      <p:nvGrpSpPr>
+        <p:cNvPr id="1" name=""/>
+        <p:cNvGrpSpPr/>
+        <p:nvPr/>
+      </p:nvGrpSpPr>
+      <p:grpSpPr>
+        <a:xfrm>
+          <a:off x="0" y="0"/>
+          <a:ext cx="0" cy="0"/>
+          <a:chOff x="0" y="0"/>
+          <a:chExt cx="0" cy="0"/>
+        </a:xfrm>
+      </p:grpSpPr>
+      <p:sp>
+        <p:nvSpPr>
+          <p:cNvPr id="2" name="Título 1"/>
+          <p:cNvSpPr>
+            <a:spLocks noGrp="1"/>
+          </p:cNvSpPr>
+          <p:nvPr>
+            <p:ph type="title"/>
+          </p:nvPr>
+        </p:nvSpPr>
+        <p:spPr/>
+        <p:txBody>
+          <a:bodyPr>
+            <a:normAutofit/>
+          </a:bodyPr>
+          <a:lstStyle/>
+          <a:p>
+            <a:r>
+              <a:rPr lang="es-ES_tradnl" sz="4000" dirty="0" smtClean="0"/>
+              <a:t>Estado del Arte (III)</a:t>
+            </a:r>
+            <a:endParaRPr lang="es-ES_tradnl" sz="4000" dirty="0"/>
+          </a:p>
+        </p:txBody>
+      </p:sp>
+      <p:pic>
+        <p:nvPicPr>
+          <p:cNvPr id="3" name="Imagen 2"/>
+          <p:cNvPicPr>
+            <a:picLocks noChangeAspect="1"/>
+          </p:cNvPicPr>
+          <p:nvPr/>
+        </p:nvPicPr>
+        <p:blipFill>
+          <a:blip r:embed="rId3"/>
+          <a:stretch>
+            <a:fillRect/>
+          </a:stretch>
+        </p:blipFill>
+        <p:spPr>
+          <a:xfrm>
+            <a:off x="10293048" y="232117"/>
+            <a:ext cx="1712091" cy="954820"/>
+          </a:xfrm>
+          <a:prstGeom prst="rect">
+            <a:avLst/>
+          </a:prstGeom>
+        </p:spPr>
+      </p:pic>
+      <p:sp>
+        <p:nvSpPr>
+          <p:cNvPr id="4" name="Rectángulo 3"/>
+          <p:cNvSpPr/>
+          <p:nvPr/>
+        </p:nvSpPr>
+        <p:spPr>
+          <a:xfrm>
+            <a:off x="480402" y="3422796"/>
+            <a:ext cx="2599494" cy="923330"/>
+          </a:xfrm>
+          <a:prstGeom prst="rect">
+            <a:avLst/>
+          </a:prstGeom>
+          <a:noFill/>
+          <a:ln>
+            <a:noFill/>
+          </a:ln>
+        </p:spPr>
+        <p:txBody>
+          <a:bodyPr wrap="none" lIns="91440" tIns="45720" rIns="91440" bIns="45720">
+            <a:spAutoFit/>
+          </a:bodyPr>
+          <a:lstStyle/>
+          <a:p>
+            <a:pPr algn="ctr"/>
+            <a:r>
+              <a:rPr lang="es-ES" sz="5400" b="1" cap="none" spc="0" dirty="0" smtClean="0">
+                <a:ln w="9525">
+                  <a:solidFill>
+                    <a:schemeClr val="bg1"/>
+                  </a:solidFill>
+                  <a:prstDash val="solid"/>
+                </a:ln>
+                <a:solidFill>
+                  <a:schemeClr val="accent1"/>
+                </a:solidFill>
+                <a:effectLst>
+                  <a:outerShdw blurRad="12700" dist="38100" dir="2700000" algn="tl" rotWithShape="0">
+                    <a:schemeClr val="accent5">
+                      <a:lumMod val="60000"/>
+                      <a:lumOff val="40000"/>
+                    </a:schemeClr>
+                  </a:outerShdw>
+                </a:effectLst>
+              </a:rPr>
+              <a:t>Servidor</a:t>
+            </a:r>
+            <a:endParaRPr lang="es-ES" sz="5400" b="1" cap="none" spc="0" dirty="0">
+              <a:ln w="9525">
+                <a:solidFill>
+                  <a:schemeClr val="bg1"/>
+                </a:solidFill>
+                <a:prstDash val="solid"/>
+              </a:ln>
+              <a:solidFill>
+                <a:schemeClr val="accent1"/>
+              </a:solidFill>
+              <a:effectLst>
+                <a:outerShdw blurRad="12700" dist="38100" dir="2700000" algn="tl" rotWithShape="0">
+                  <a:schemeClr val="accent5">
+                    <a:lumMod val="60000"/>
+                    <a:lumOff val="40000"/>
+                  </a:schemeClr>
+                </a:outerShdw>
+              </a:effectLst>
+            </a:endParaRPr>
+          </a:p>
+        </p:txBody>
+      </p:sp>
+      <p:sp>
+        <p:nvSpPr>
+          <p:cNvPr id="5" name="Rectángulo 4"/>
+          <p:cNvSpPr/>
+          <p:nvPr/>
+        </p:nvSpPr>
+        <p:spPr>
+          <a:xfrm>
+            <a:off x="3554747" y="1876534"/>
+            <a:ext cx="2541251" cy="584775"/>
+          </a:xfrm>
+          <a:prstGeom prst="rect">
+            <a:avLst/>
+          </a:prstGeom>
+          <a:noFill/>
+        </p:spPr>
+        <p:txBody>
+          <a:bodyPr wrap="square" lIns="91440" tIns="45720" rIns="91440" bIns="45720">
+            <a:spAutoFit/>
+          </a:bodyPr>
+          <a:lstStyle/>
+          <a:p>
+            <a:pPr algn="ctr"/>
+            <a:r>
+              <a:rPr lang="es-ES" sz="3200" b="1" cap="none" spc="0" dirty="0" err="1" smtClean="0">
+                <a:ln w="9525">
+                  <a:solidFill>
+                    <a:schemeClr val="bg1"/>
+                  </a:solidFill>
+                  <a:prstDash val="solid"/>
+                </a:ln>
+                <a:solidFill>
+                  <a:schemeClr val="accent1"/>
+                </a:solidFill>
+                <a:effectLst>
+                  <a:outerShdw blurRad="12700" dist="38100" dir="2700000" algn="tl" rotWithShape="0">
+                    <a:schemeClr val="accent5">
+                      <a:lumMod val="60000"/>
+                      <a:lumOff val="40000"/>
+                    </a:schemeClr>
+                  </a:outerShdw>
+                </a:effectLst>
+              </a:rPr>
+              <a:t>NodeJS</a:t>
+            </a:r>
+            <a:endParaRPr lang="es-ES" sz="3200" b="1" cap="none" spc="0" dirty="0">
+              <a:ln w="9525">
+                <a:solidFill>
+                  <a:schemeClr val="bg1"/>
+                </a:solidFill>
+                <a:prstDash val="solid"/>
+              </a:ln>
+              <a:solidFill>
+                <a:schemeClr val="accent1"/>
+              </a:solidFill>
+              <a:effectLst>
+                <a:outerShdw blurRad="12700" dist="38100" dir="2700000" algn="tl" rotWithShape="0">
+                  <a:schemeClr val="accent5">
+                    <a:lumMod val="60000"/>
+                    <a:lumOff val="40000"/>
+                  </a:schemeClr>
+                </a:outerShdw>
+              </a:effectLst>
+            </a:endParaRPr>
+          </a:p>
+        </p:txBody>
+      </p:sp>
+      <p:sp>
+        <p:nvSpPr>
+          <p:cNvPr id="6" name="CuadroTexto 5"/>
+          <p:cNvSpPr txBox="1"/>
+          <p:nvPr/>
+        </p:nvSpPr>
+        <p:spPr>
+          <a:xfrm>
+            <a:off x="6550517" y="1844694"/>
+            <a:ext cx="4047344" cy="646331"/>
+          </a:xfrm>
+          <a:prstGeom prst="rect">
+            <a:avLst/>
+          </a:prstGeom>
+          <a:noFill/>
+        </p:spPr>
+        <p:txBody>
+          <a:bodyPr wrap="square" rtlCol="0">
+            <a:spAutoFit/>
+          </a:bodyPr>
+          <a:lstStyle/>
+          <a:p>
+            <a:r>
+              <a:rPr lang="es-ES_tradnl" dirty="0" smtClean="0"/>
+              <a:t>Entorno JavaScript del lado del servidor, basado en eventos.</a:t>
+            </a:r>
+            <a:endParaRPr lang="es-ES_tradnl" dirty="0"/>
+          </a:p>
+        </p:txBody>
+      </p:sp>
+      <p:sp>
+        <p:nvSpPr>
+          <p:cNvPr id="7" name="Rectángulo 6"/>
+          <p:cNvSpPr/>
+          <p:nvPr/>
+        </p:nvSpPr>
+        <p:spPr>
+          <a:xfrm>
+            <a:off x="3545244" y="3113086"/>
+            <a:ext cx="2541251" cy="584775"/>
+          </a:xfrm>
+          <a:prstGeom prst="rect">
+            <a:avLst/>
+          </a:prstGeom>
+          <a:noFill/>
+        </p:spPr>
+        <p:txBody>
+          <a:bodyPr wrap="square" lIns="91440" tIns="45720" rIns="91440" bIns="45720">
+            <a:spAutoFit/>
+          </a:bodyPr>
+          <a:lstStyle/>
+          <a:p>
+            <a:pPr algn="ctr"/>
+            <a:r>
+              <a:rPr lang="es-ES" sz="3200" b="1" cap="none" spc="0" dirty="0" smtClean="0">
+                <a:ln w="9525">
+                  <a:solidFill>
+                    <a:schemeClr val="bg1"/>
+                  </a:solidFill>
+                  <a:prstDash val="solid"/>
+                </a:ln>
+                <a:solidFill>
+                  <a:schemeClr val="accent1"/>
+                </a:solidFill>
+                <a:effectLst>
+                  <a:outerShdw blurRad="12700" dist="38100" dir="2700000" algn="tl" rotWithShape="0">
+                    <a:schemeClr val="accent5">
+                      <a:lumMod val="60000"/>
+                      <a:lumOff val="40000"/>
+                    </a:schemeClr>
+                  </a:outerShdw>
+                </a:effectLst>
+              </a:rPr>
+              <a:t>Express</a:t>
+            </a:r>
+            <a:endParaRPr lang="es-ES" sz="3200" b="1" cap="none" spc="0" dirty="0">
+              <a:ln w="9525">
+                <a:solidFill>
+                  <a:schemeClr val="bg1"/>
+                </a:solidFill>
+                <a:prstDash val="solid"/>
+              </a:ln>
+              <a:solidFill>
+                <a:schemeClr val="accent1"/>
+              </a:solidFill>
+              <a:effectLst>
+                <a:outerShdw blurRad="12700" dist="38100" dir="2700000" algn="tl" rotWithShape="0">
+                  <a:schemeClr val="accent5">
+                    <a:lumMod val="60000"/>
+                    <a:lumOff val="40000"/>
+                  </a:schemeClr>
+                </a:outerShdw>
+              </a:effectLst>
+            </a:endParaRPr>
+          </a:p>
+        </p:txBody>
+      </p:sp>
+      <p:sp>
+        <p:nvSpPr>
+          <p:cNvPr id="8" name="CuadroTexto 7"/>
+          <p:cNvSpPr txBox="1"/>
+          <p:nvPr/>
+        </p:nvSpPr>
+        <p:spPr>
+          <a:xfrm>
+            <a:off x="6550517" y="3113086"/>
+            <a:ext cx="4047344" cy="646331"/>
+          </a:xfrm>
+          <a:prstGeom prst="rect">
+            <a:avLst/>
+          </a:prstGeom>
+          <a:noFill/>
+        </p:spPr>
+        <p:txBody>
+          <a:bodyPr wrap="square" rtlCol="0">
+            <a:spAutoFit/>
+          </a:bodyPr>
+          <a:lstStyle/>
+          <a:p>
+            <a:r>
+              <a:rPr lang="es-ES_tradnl" dirty="0" smtClean="0"/>
+              <a:t>Infraestructura de aplicaciones web de NodeJS.</a:t>
+            </a:r>
+            <a:endParaRPr lang="es-ES_tradnl" dirty="0"/>
+          </a:p>
+        </p:txBody>
+      </p:sp>
+      <p:sp>
+        <p:nvSpPr>
+          <p:cNvPr id="9" name="Rectángulo 8"/>
+          <p:cNvSpPr/>
+          <p:nvPr/>
+        </p:nvSpPr>
+        <p:spPr>
+          <a:xfrm>
+            <a:off x="3547741" y="4159708"/>
+            <a:ext cx="2541251" cy="584775"/>
+          </a:xfrm>
+          <a:prstGeom prst="rect">
+            <a:avLst/>
+          </a:prstGeom>
+          <a:noFill/>
+        </p:spPr>
+        <p:txBody>
+          <a:bodyPr wrap="square" lIns="91440" tIns="45720" rIns="91440" bIns="45720">
+            <a:spAutoFit/>
+          </a:bodyPr>
+          <a:lstStyle/>
+          <a:p>
+            <a:pPr algn="ctr"/>
+            <a:r>
+              <a:rPr lang="es-ES" sz="3200" b="1" dirty="0" err="1" smtClean="0">
+                <a:ln w="9525">
+                  <a:solidFill>
+                    <a:schemeClr val="bg1"/>
+                  </a:solidFill>
+                  <a:prstDash val="solid"/>
+                </a:ln>
+                <a:solidFill>
+                  <a:schemeClr val="accent1"/>
+                </a:solidFill>
+                <a:effectLst>
+                  <a:outerShdw blurRad="12700" dist="38100" dir="2700000" algn="tl" rotWithShape="0">
+                    <a:schemeClr val="accent5">
+                      <a:lumMod val="60000"/>
+                      <a:lumOff val="40000"/>
+                    </a:schemeClr>
+                  </a:outerShdw>
+                </a:effectLst>
+              </a:rPr>
+              <a:t>Socket.io</a:t>
+            </a:r>
+            <a:endParaRPr lang="es-ES" sz="3200" b="1" cap="none" spc="0" dirty="0">
+              <a:ln w="9525">
+                <a:solidFill>
+                  <a:schemeClr val="bg1"/>
+                </a:solidFill>
+                <a:prstDash val="solid"/>
+              </a:ln>
+              <a:solidFill>
+                <a:schemeClr val="accent1"/>
+              </a:solidFill>
+              <a:effectLst>
+                <a:outerShdw blurRad="12700" dist="38100" dir="2700000" algn="tl" rotWithShape="0">
+                  <a:schemeClr val="accent5">
+                    <a:lumMod val="60000"/>
+                    <a:lumOff val="40000"/>
+                  </a:schemeClr>
+                </a:outerShdw>
+              </a:effectLst>
+            </a:endParaRPr>
+          </a:p>
+        </p:txBody>
+      </p:sp>
+      <p:sp>
+        <p:nvSpPr>
+          <p:cNvPr id="10" name="CuadroTexto 9"/>
+          <p:cNvSpPr txBox="1"/>
+          <p:nvPr/>
+        </p:nvSpPr>
+        <p:spPr>
+          <a:xfrm>
+            <a:off x="6536690" y="4128929"/>
+            <a:ext cx="4047344" cy="646331"/>
+          </a:xfrm>
+          <a:prstGeom prst="rect">
+            <a:avLst/>
+          </a:prstGeom>
+          <a:noFill/>
+        </p:spPr>
+        <p:txBody>
+          <a:bodyPr wrap="square" rtlCol="0">
+            <a:spAutoFit/>
+          </a:bodyPr>
+          <a:lstStyle/>
+          <a:p>
+            <a:r>
+              <a:rPr lang="es-ES_tradnl" dirty="0"/>
+              <a:t>Permite una comunicación bidireccional y en tiempo real entre cliente y </a:t>
+            </a:r>
+            <a:r>
+              <a:rPr lang="es-ES_tradnl" dirty="0" smtClean="0"/>
+              <a:t>servidor.</a:t>
+            </a:r>
+            <a:r>
+              <a:rPr lang="es-ES_tradnl" dirty="0" smtClean="0">
+                <a:effectLst/>
+              </a:rPr>
+              <a:t> </a:t>
+            </a:r>
+            <a:endParaRPr lang="es-ES_tradnl" dirty="0"/>
+          </a:p>
+        </p:txBody>
+      </p:sp>
+      <p:sp>
+        <p:nvSpPr>
+          <p:cNvPr id="11" name="Abrir llave 10"/>
+          <p:cNvSpPr/>
+          <p:nvPr/>
+        </p:nvSpPr>
+        <p:spPr>
+          <a:xfrm>
+            <a:off x="3100043" y="1503587"/>
+            <a:ext cx="648000" cy="4841823"/>
+          </a:xfrm>
+          <a:prstGeom prst="leftBrace">
+            <a:avLst/>
+          </a:prstGeom>
+          <a:noFill/>
+          <a:ln w="38100"/>
+        </p:spPr>
+        <p:style>
+          <a:lnRef idx="1">
+            <a:schemeClr val="accent1"/>
+          </a:lnRef>
+          <a:fillRef idx="0">
+            <a:schemeClr val="accent1"/>
+          </a:fillRef>
+          <a:effectRef idx="0">
+            <a:schemeClr val="accent1"/>
+          </a:effectRef>
+          <a:fontRef idx="minor">
+            <a:schemeClr val="tx1"/>
+          </a:fontRef>
+        </p:style>
+        <p:txBody>
+          <a:bodyPr rtlCol="0" anchor="ctr"/>
+          <a:lstStyle/>
+          <a:p>
+            <a:pPr algn="ctr"/>
+            <a:endParaRPr lang="es-ES_tradnl"/>
+          </a:p>
+        </p:txBody>
+      </p:sp>
+      <p:sp>
+        <p:nvSpPr>
+          <p:cNvPr id="12" name="Rectángulo 11"/>
+          <p:cNvSpPr/>
+          <p:nvPr/>
+        </p:nvSpPr>
+        <p:spPr>
+          <a:xfrm>
+            <a:off x="3554747" y="5354983"/>
+            <a:ext cx="2541251" cy="584775"/>
+          </a:xfrm>
+          <a:prstGeom prst="rect">
+            <a:avLst/>
+          </a:prstGeom>
+          <a:noFill/>
+        </p:spPr>
+        <p:txBody>
+          <a:bodyPr wrap="square" lIns="91440" tIns="45720" rIns="91440" bIns="45720">
+            <a:spAutoFit/>
+          </a:bodyPr>
+          <a:lstStyle/>
+          <a:p>
+            <a:pPr algn="ctr"/>
+            <a:r>
+              <a:rPr lang="es-ES" sz="3200" b="1" dirty="0" err="1" smtClean="0">
+                <a:ln w="9525">
+                  <a:solidFill>
+                    <a:schemeClr val="bg1"/>
+                  </a:solidFill>
+                  <a:prstDash val="solid"/>
+                </a:ln>
+                <a:solidFill>
+                  <a:schemeClr val="accent1"/>
+                </a:solidFill>
+                <a:effectLst>
+                  <a:outerShdw blurRad="12700" dist="38100" dir="2700000" algn="tl" rotWithShape="0">
+                    <a:schemeClr val="accent5">
+                      <a:lumMod val="60000"/>
+                      <a:lumOff val="40000"/>
+                    </a:schemeClr>
+                  </a:outerShdw>
+                </a:effectLst>
+              </a:rPr>
+              <a:t>SQLite</a:t>
+            </a:r>
+            <a:endParaRPr lang="es-ES" sz="3200" b="1" cap="none" spc="0" dirty="0">
+              <a:ln w="9525">
+                <a:solidFill>
+                  <a:schemeClr val="bg1"/>
+                </a:solidFill>
+                <a:prstDash val="solid"/>
+              </a:ln>
+              <a:solidFill>
+                <a:schemeClr val="accent1"/>
+              </a:solidFill>
+              <a:effectLst>
+                <a:outerShdw blurRad="12700" dist="38100" dir="2700000" algn="tl" rotWithShape="0">
+                  <a:schemeClr val="accent5">
+                    <a:lumMod val="60000"/>
+                    <a:lumOff val="40000"/>
+                  </a:schemeClr>
+                </a:outerShdw>
+              </a:effectLst>
+            </a:endParaRPr>
+          </a:p>
+        </p:txBody>
+      </p:sp>
+      <p:sp>
+        <p:nvSpPr>
+          <p:cNvPr id="13" name="CuadroTexto 12"/>
+          <p:cNvSpPr txBox="1"/>
+          <p:nvPr/>
+        </p:nvSpPr>
+        <p:spPr>
+          <a:xfrm>
+            <a:off x="6550517" y="5354983"/>
+            <a:ext cx="4047344" cy="646331"/>
+          </a:xfrm>
+          <a:prstGeom prst="rect">
+            <a:avLst/>
+          </a:prstGeom>
+          <a:noFill/>
+        </p:spPr>
+        <p:txBody>
+          <a:bodyPr wrap="square" rtlCol="0">
+            <a:spAutoFit/>
+          </a:bodyPr>
+          <a:lstStyle/>
+          <a:p>
+            <a:r>
+              <a:rPr lang="es-ES_tradnl" dirty="0" smtClean="0"/>
+              <a:t>Sistema </a:t>
+            </a:r>
+            <a:r>
+              <a:rPr lang="es-ES_tradnl" dirty="0"/>
+              <a:t>que gestiona bases de datos </a:t>
+            </a:r>
+            <a:r>
+              <a:rPr lang="es-ES_tradnl" dirty="0" smtClean="0"/>
+              <a:t>relacionales.</a:t>
+            </a:r>
+            <a:endParaRPr lang="es-ES_tradnl" dirty="0"/>
+          </a:p>
+        </p:txBody>
+      </p:sp>
+      <p:sp>
+        <p:nvSpPr>
+          <p:cNvPr id="16" name="Cheurón 15"/>
+          <p:cNvSpPr/>
+          <p:nvPr/>
+        </p:nvSpPr>
+        <p:spPr>
+          <a:xfrm>
+            <a:off x="5882553" y="2004029"/>
+            <a:ext cx="524656" cy="329784"/>
+          </a:xfrm>
+          <a:prstGeom prst="chevron">
+            <a:avLst/>
+          </a:prstGeom>
+        </p:spPr>
+        <p:style>
+          <a:lnRef idx="2">
+            <a:schemeClr val="accent1">
+              <a:shade val="50000"/>
+            </a:schemeClr>
+          </a:lnRef>
+          <a:fillRef idx="1">
+            <a:schemeClr val="accent1"/>
+          </a:fillRef>
+          <a:effectRef idx="0">
+            <a:schemeClr val="accent1"/>
+          </a:effectRef>
+          <a:fontRef idx="minor">
+            <a:schemeClr val="lt1"/>
+          </a:fontRef>
+        </p:style>
+        <p:txBody>
+          <a:bodyPr rtlCol="0" anchor="ctr"/>
+          <a:lstStyle/>
+          <a:p>
+            <a:pPr algn="ctr"/>
+            <a:endParaRPr lang="es-ES_tradnl">
+              <a:solidFill>
+                <a:schemeClr val="tx1"/>
+              </a:solidFill>
+            </a:endParaRPr>
+          </a:p>
+        </p:txBody>
+      </p:sp>
+      <p:sp>
+        <p:nvSpPr>
+          <p:cNvPr id="17" name="Cheurón 16"/>
+          <p:cNvSpPr/>
+          <p:nvPr/>
+        </p:nvSpPr>
+        <p:spPr>
+          <a:xfrm>
+            <a:off x="5882553" y="3264364"/>
+            <a:ext cx="524656" cy="329784"/>
+          </a:xfrm>
+          <a:prstGeom prst="chevron">
+            <a:avLst/>
+          </a:prstGeom>
+        </p:spPr>
+        <p:style>
+          <a:lnRef idx="2">
+            <a:schemeClr val="accent1">
+              <a:shade val="50000"/>
+            </a:schemeClr>
+          </a:lnRef>
+          <a:fillRef idx="1">
+            <a:schemeClr val="accent1"/>
+          </a:fillRef>
+          <a:effectRef idx="0">
+            <a:schemeClr val="accent1"/>
+          </a:effectRef>
+          <a:fontRef idx="minor">
+            <a:schemeClr val="lt1"/>
+          </a:fontRef>
+        </p:style>
+        <p:txBody>
+          <a:bodyPr rtlCol="0" anchor="ctr"/>
+          <a:lstStyle/>
+          <a:p>
+            <a:pPr algn="ctr"/>
+            <a:endParaRPr lang="es-ES_tradnl">
+              <a:solidFill>
+                <a:schemeClr val="tx1"/>
+              </a:solidFill>
+            </a:endParaRPr>
+          </a:p>
+        </p:txBody>
+      </p:sp>
+      <p:sp>
+        <p:nvSpPr>
+          <p:cNvPr id="18" name="Cheurón 17"/>
+          <p:cNvSpPr/>
+          <p:nvPr/>
+        </p:nvSpPr>
+        <p:spPr>
+          <a:xfrm>
+            <a:off x="5883956" y="4252106"/>
+            <a:ext cx="524656" cy="329784"/>
+          </a:xfrm>
+          <a:prstGeom prst="chevron">
+            <a:avLst/>
+          </a:prstGeom>
+        </p:spPr>
+        <p:style>
+          <a:lnRef idx="2">
+            <a:schemeClr val="accent1">
+              <a:shade val="50000"/>
+            </a:schemeClr>
+          </a:lnRef>
+          <a:fillRef idx="1">
+            <a:schemeClr val="accent1"/>
+          </a:fillRef>
+          <a:effectRef idx="0">
+            <a:schemeClr val="accent1"/>
+          </a:effectRef>
+          <a:fontRef idx="minor">
+            <a:schemeClr val="lt1"/>
+          </a:fontRef>
+        </p:style>
+        <p:txBody>
+          <a:bodyPr rtlCol="0" anchor="ctr"/>
+          <a:lstStyle/>
+          <a:p>
+            <a:pPr algn="ctr"/>
+            <a:endParaRPr lang="es-ES_tradnl">
+              <a:solidFill>
+                <a:schemeClr val="tx1"/>
+              </a:solidFill>
+            </a:endParaRPr>
+          </a:p>
+        </p:txBody>
+      </p:sp>
+      <p:sp>
+        <p:nvSpPr>
+          <p:cNvPr id="19" name="Cheurón 18"/>
+          <p:cNvSpPr/>
+          <p:nvPr/>
+        </p:nvSpPr>
+        <p:spPr>
+          <a:xfrm>
+            <a:off x="5898788" y="5482478"/>
+            <a:ext cx="524656" cy="329784"/>
+          </a:xfrm>
+          <a:prstGeom prst="chevron">
+            <a:avLst/>
+          </a:prstGeom>
+        </p:spPr>
+        <p:style>
+          <a:lnRef idx="2">
+            <a:schemeClr val="accent1">
+              <a:shade val="50000"/>
+            </a:schemeClr>
+          </a:lnRef>
+          <a:fillRef idx="1">
+            <a:schemeClr val="accent1"/>
+          </a:fillRef>
+          <a:effectRef idx="0">
+            <a:schemeClr val="accent1"/>
+          </a:effectRef>
+          <a:fontRef idx="minor">
+            <a:schemeClr val="lt1"/>
+          </a:fontRef>
+        </p:style>
+        <p:txBody>
+          <a:bodyPr rtlCol="0" anchor="ctr"/>
+          <a:lstStyle/>
+          <a:p>
+            <a:pPr algn="ctr"/>
+            <a:endParaRPr lang="es-ES_tradnl">
+              <a:solidFill>
+                <a:schemeClr val="tx1"/>
+              </a:solidFill>
+            </a:endParaRPr>
+          </a:p>
+        </p:txBody>
+      </p:sp>
+    </p:spTree>
+    <p:extLst>
+      <p:ext uri="{BB962C8B-B14F-4D97-AF65-F5344CB8AC3E}">
+        <p14:creationId xmlns:p14="http://schemas.microsoft.com/office/powerpoint/2010/main" val="2093352717"/>
+      </p:ext>
+    </p:extLst>
+  </p:cSld>
+  <p:clrMapOvr>
+    <a:masterClrMapping/>
+  </p:clrMapOvr>
+  <p:timing>
+    <p:tnLst>
+      <p:par>
+        <p:cTn id="1" dur="indefinite" restart="never" nodeType="tmRoot"/>
+      </p:par>
+    </p:tnLst>
+  </p:timing>
+</p:sld>
+</file>
+
+<file path=ppt/slides/slide11.xml><?xml version="1.0" encoding="utf-8"?>
+<p:sld xmlns:a="http://schemas.openxmlformats.org/drawingml/2006/main" xmlns:r="http://schemas.openxmlformats.org/officeDocument/2006/relationships" xmlns:p="http://schemas.openxmlformats.org/presentationml/2006/main">
+  <p:cSld>
+    <p:bg>
+      <p:bgPr>
+        <a:blipFill dpi="0" rotWithShape="1">
+          <a:blip r:embed="rId2">
+            <a:alphaModFix amt="7000"/>
+            <a:lum/>
+          </a:blip>
+          <a:srcRect/>
+          <a:stretch>
+            <a:fillRect l="-1000" r="-1000"/>
+          </a:stretch>
+        </a:blipFill>
+        <a:effectLst/>
+      </p:bgPr>
+    </p:bg>
+    <p:spTree>
+      <p:nvGrpSpPr>
+        <p:cNvPr id="1" name=""/>
+        <p:cNvGrpSpPr/>
+        <p:nvPr/>
+      </p:nvGrpSpPr>
+      <p:grpSpPr>
+        <a:xfrm>
+          <a:off x="0" y="0"/>
+          <a:ext cx="0" cy="0"/>
+          <a:chOff x="0" y="0"/>
+          <a:chExt cx="0" cy="0"/>
+        </a:xfrm>
+      </p:grpSpPr>
+      <p:sp>
+        <p:nvSpPr>
+          <p:cNvPr id="2" name="Título 1"/>
+          <p:cNvSpPr>
+            <a:spLocks noGrp="1"/>
+          </p:cNvSpPr>
+          <p:nvPr>
+            <p:ph type="title"/>
+          </p:nvPr>
+        </p:nvSpPr>
+        <p:spPr/>
+        <p:txBody>
+          <a:bodyPr>
+            <a:normAutofit/>
+          </a:bodyPr>
+          <a:lstStyle/>
+          <a:p>
+            <a:r>
+              <a:rPr lang="es-ES_tradnl" sz="4000" dirty="0" smtClean="0"/>
+              <a:t>Implementación</a:t>
+            </a:r>
+            <a:endParaRPr lang="es-ES_tradnl" sz="4000" dirty="0"/>
+          </a:p>
+        </p:txBody>
+      </p:sp>
+      <p:pic>
+        <p:nvPicPr>
+          <p:cNvPr id="3" name="Imagen 2"/>
+          <p:cNvPicPr>
+            <a:picLocks noChangeAspect="1"/>
+          </p:cNvPicPr>
+          <p:nvPr/>
+        </p:nvPicPr>
+        <p:blipFill>
+          <a:blip r:embed="rId3"/>
+          <a:stretch>
+            <a:fillRect/>
+          </a:stretch>
+        </p:blipFill>
+        <p:spPr>
+          <a:xfrm>
+            <a:off x="10293048" y="232117"/>
+            <a:ext cx="1712091" cy="954820"/>
+          </a:xfrm>
+          <a:prstGeom prst="rect">
+            <a:avLst/>
+          </a:prstGeom>
+        </p:spPr>
+      </p:pic>
+    </p:spTree>
+    <p:extLst>
+      <p:ext uri="{BB962C8B-B14F-4D97-AF65-F5344CB8AC3E}">
+        <p14:creationId xmlns:p14="http://schemas.microsoft.com/office/powerpoint/2010/main" val="422266603"/>
+      </p:ext>
+    </p:extLst>
+  </p:cSld>
+  <p:clrMapOvr>
+    <a:masterClrMapping/>
+  </p:clrMapOvr>
+  <p:timing>
+    <p:tnLst>
+      <p:par>
+        <p:cTn id="1" dur="indefinite" restart="never" nodeType="tmRoot"/>
+      </p:par>
+    </p:tnLst>
+  </p:timing>
+</p:sld>
+</file>
+
 <file path=ppt/slides/slide2.xml><?xml version="1.0" encoding="utf-8"?>
 <p:sld xmlns:a="http://schemas.openxmlformats.org/drawingml/2006/main" xmlns:r="http://schemas.openxmlformats.org/officeDocument/2006/relationships" xmlns:p="http://schemas.openxmlformats.org/presentationml/2006/main">
   <p:cSld>
@@ -1589,7 +2485,7 @@
       <p:bgPr>
         <a:blipFill dpi="0" rotWithShape="1">
           <a:blip r:embed="rId2">
-            <a:alphaModFix amt="11000"/>
+            <a:alphaModFix amt="7000"/>
             <a:lum/>
           </a:blip>
           <a:srcRect/>
@@ -1795,7 +2691,7 @@
       <p:bgPr>
         <a:blipFill dpi="0" rotWithShape="1">
           <a:blip r:embed="rId2">
-            <a:alphaModFix amt="11000"/>
+            <a:alphaModFix amt="7000"/>
             <a:lum/>
           </a:blip>
           <a:srcRect/>
@@ -2002,7 +2898,7 @@
       <p:bgPr>
         <a:blipFill dpi="0" rotWithShape="1">
           <a:blip r:embed="rId2">
-            <a:alphaModFix amt="11000"/>
+            <a:alphaModFix amt="7000"/>
             <a:lum/>
           </a:blip>
           <a:srcRect/>
@@ -2202,7 +3098,7 @@
       <p:bgPr>
         <a:blipFill dpi="0" rotWithShape="1">
           <a:blip r:embed="rId2">
-            <a:alphaModFix amt="11000"/>
+            <a:alphaModFix amt="7000"/>
             <a:lum/>
           </a:blip>
           <a:srcRect/>
@@ -2626,7 +3522,7 @@
       <p:bgPr>
         <a:blipFill dpi="0" rotWithShape="1">
           <a:blip r:embed="rId2">
-            <a:alphaModFix amt="11000"/>
+            <a:alphaModFix amt="7000"/>
             <a:lum/>
           </a:blip>
           <a:srcRect/>
@@ -2789,7 +3685,7 @@
       <p:bgPr>
         <a:blipFill dpi="0" rotWithShape="1">
           <a:blip r:embed="rId2">
-            <a:alphaModFix amt="11000"/>
+            <a:alphaModFix amt="7000"/>
             <a:lum/>
           </a:blip>
           <a:srcRect/>
@@ -3226,7 +4122,7 @@
       <p:bgPr>
         <a:blipFill dpi="0" rotWithShape="1">
           <a:blip r:embed="rId2">
-            <a:alphaModFix amt="11000"/>
+            <a:alphaModFix amt="7000"/>
             <a:lum/>
           </a:blip>
           <a:srcRect/>
@@ -3513,7 +4409,7 @@
       <p:bgPr>
         <a:blipFill dpi="0" rotWithShape="1">
           <a:blip r:embed="rId2">
-            <a:alphaModFix amt="11000"/>
+            <a:alphaModFix amt="7000"/>
             <a:lum/>
           </a:blip>
           <a:srcRect/>
